--- a/2.Características técnicas/Castillo Vásquez Jorge Miguel/caracteristicas tecnicas.pptx
+++ b/2.Características técnicas/Castillo Vásquez Jorge Miguel/caracteristicas tecnicas.pptx
@@ -742,7 +742,7 @@
           <a:p>
             <a:fld id="{79A09E81-0BC0-42A5-98BF-DC5CF1E9F522}" type="datetimeFigureOut">
               <a:rPr lang="es-MX" smtClean="0"/>
-              <a:t>19/05/2020</a:t>
+              <a:t>18/06/2020</a:t>
             </a:fld>
             <a:endParaRPr lang="es-MX"/>
           </a:p>
@@ -910,7 +910,7 @@
           <a:p>
             <a:fld id="{79A09E81-0BC0-42A5-98BF-DC5CF1E9F522}" type="datetimeFigureOut">
               <a:rPr lang="es-MX" smtClean="0"/>
-              <a:t>19/05/2020</a:t>
+              <a:t>18/06/2020</a:t>
             </a:fld>
             <a:endParaRPr lang="es-MX"/>
           </a:p>
@@ -1088,7 +1088,7 @@
           <a:p>
             <a:fld id="{79A09E81-0BC0-42A5-98BF-DC5CF1E9F522}" type="datetimeFigureOut">
               <a:rPr lang="es-MX" smtClean="0"/>
-              <a:t>19/05/2020</a:t>
+              <a:t>18/06/2020</a:t>
             </a:fld>
             <a:endParaRPr lang="es-MX"/>
           </a:p>
@@ -1256,7 +1256,7 @@
           <a:p>
             <a:fld id="{79A09E81-0BC0-42A5-98BF-DC5CF1E9F522}" type="datetimeFigureOut">
               <a:rPr lang="es-MX" smtClean="0"/>
-              <a:t>19/05/2020</a:t>
+              <a:t>18/06/2020</a:t>
             </a:fld>
             <a:endParaRPr lang="es-MX"/>
           </a:p>
@@ -1513,7 +1513,7 @@
           <a:p>
             <a:fld id="{79A09E81-0BC0-42A5-98BF-DC5CF1E9F522}" type="datetimeFigureOut">
               <a:rPr lang="es-MX" smtClean="0"/>
-              <a:t>19/05/2020</a:t>
+              <a:t>18/06/2020</a:t>
             </a:fld>
             <a:endParaRPr lang="es-MX"/>
           </a:p>
@@ -1798,7 +1798,7 @@
           <a:p>
             <a:fld id="{79A09E81-0BC0-42A5-98BF-DC5CF1E9F522}" type="datetimeFigureOut">
               <a:rPr lang="es-MX" smtClean="0"/>
-              <a:t>19/05/2020</a:t>
+              <a:t>18/06/2020</a:t>
             </a:fld>
             <a:endParaRPr lang="es-MX"/>
           </a:p>
@@ -2237,7 +2237,7 @@
           <a:p>
             <a:fld id="{79A09E81-0BC0-42A5-98BF-DC5CF1E9F522}" type="datetimeFigureOut">
               <a:rPr lang="es-MX" smtClean="0"/>
-              <a:t>19/05/2020</a:t>
+              <a:t>18/06/2020</a:t>
             </a:fld>
             <a:endParaRPr lang="es-MX"/>
           </a:p>
@@ -2354,7 +2354,7 @@
           <a:p>
             <a:fld id="{79A09E81-0BC0-42A5-98BF-DC5CF1E9F522}" type="datetimeFigureOut">
               <a:rPr lang="es-MX" smtClean="0"/>
-              <a:t>19/05/2020</a:t>
+              <a:t>18/06/2020</a:t>
             </a:fld>
             <a:endParaRPr lang="es-MX"/>
           </a:p>
@@ -2449,7 +2449,7 @@
           <a:p>
             <a:fld id="{79A09E81-0BC0-42A5-98BF-DC5CF1E9F522}" type="datetimeFigureOut">
               <a:rPr lang="es-MX" smtClean="0"/>
-              <a:t>19/05/2020</a:t>
+              <a:t>18/06/2020</a:t>
             </a:fld>
             <a:endParaRPr lang="es-MX"/>
           </a:p>
@@ -2735,7 +2735,7 @@
           <a:p>
             <a:fld id="{79A09E81-0BC0-42A5-98BF-DC5CF1E9F522}" type="datetimeFigureOut">
               <a:rPr lang="es-MX" smtClean="0"/>
-              <a:t>19/05/2020</a:t>
+              <a:t>18/06/2020</a:t>
             </a:fld>
             <a:endParaRPr lang="es-MX"/>
           </a:p>
@@ -3006,7 +3006,7 @@
           <a:p>
             <a:fld id="{79A09E81-0BC0-42A5-98BF-DC5CF1E9F522}" type="datetimeFigureOut">
               <a:rPr lang="es-MX" smtClean="0"/>
-              <a:t>19/05/2020</a:t>
+              <a:t>18/06/2020</a:t>
             </a:fld>
             <a:endParaRPr lang="es-MX"/>
           </a:p>
@@ -3301,7 +3301,7 @@
           <a:p>
             <a:fld id="{79A09E81-0BC0-42A5-98BF-DC5CF1E9F522}" type="datetimeFigureOut">
               <a:rPr lang="es-MX" smtClean="0"/>
-              <a:t>19/05/2020</a:t>
+              <a:t>18/06/2020</a:t>
             </a:fld>
             <a:endParaRPr lang="es-MX"/>
           </a:p>
@@ -5787,51 +5787,17 @@
           <a:chExt cx="0" cy="0"/>
         </a:xfrm>
       </p:grpSpPr>
-      <p:sp>
-        <p:nvSpPr>
-          <p:cNvPr id="2" name="Title 1">
+      <p:pic>
+        <p:nvPicPr>
+          <p:cNvPr id="9" name="Content Placeholder 8" descr="A close up of a map&#10;&#10;Description automatically generated">
             <a:extLst>
               <a:ext uri="{FF2B5EF4-FFF2-40B4-BE49-F238E27FC236}">
-                <a16:creationId xmlns:a16="http://schemas.microsoft.com/office/drawing/2014/main" id="{FCDE545B-2594-4113-86F1-50BAA18FB043}"/>
-              </a:ext>
-            </a:extLst>
-          </p:cNvPr>
-          <p:cNvSpPr>
-            <a:spLocks noGrp="1"/>
-          </p:cNvSpPr>
-          <p:nvPr>
-            <p:ph type="title"/>
-          </p:nvPr>
-        </p:nvSpPr>
-        <p:spPr/>
-        <p:txBody>
-          <a:bodyPr>
-            <a:normAutofit/>
-          </a:bodyPr>
-          <a:lstStyle/>
-          <a:p>
-            <a:r>
-              <a:rPr lang="es-ES"/>
-              <a:t>Comunicación entre el prototipo y otros elementos</a:t>
-            </a:r>
-            <a:br>
-              <a:rPr lang="es-MX"/>
-            </a:br>
-            <a:endParaRPr lang="es-MX"/>
-          </a:p>
-        </p:txBody>
-      </p:sp>
-      <p:pic>
-        <p:nvPicPr>
-          <p:cNvPr id="7" name="Content Placeholder 6">
-            <a:extLst>
-              <a:ext uri="{FF2B5EF4-FFF2-40B4-BE49-F238E27FC236}">
-                <a16:creationId xmlns:a16="http://schemas.microsoft.com/office/drawing/2014/main" id="{53667A86-AB32-40A5-B7E4-B6B48B12EF9C}"/>
+                <a16:creationId xmlns:a16="http://schemas.microsoft.com/office/drawing/2014/main" id="{722CB368-82C6-44E8-8077-1B5CE0AB44BE}"/>
               </a:ext>
             </a:extLst>
           </p:cNvPr>
           <p:cNvPicPr>
-            <a:picLocks noGrp="1" noChangeAspect="1"/>
+            <a:picLocks noGrp="1"/>
           </p:cNvPicPr>
           <p:nvPr>
             <p:ph idx="1"/>
@@ -5861,11 +5827,78 @@
         </p:blipFill>
         <p:spPr>
           <a:xfrm>
-            <a:off x="3733345" y="3001275"/>
-            <a:ext cx="5258256" cy="3535986"/>
-          </a:xfrm>
+            <a:off x="3908437" y="2649325"/>
+            <a:ext cx="6050804" cy="3939881"/>
+          </a:xfrm>
+          <a:prstGeom prst="rect">
+            <a:avLst/>
+          </a:prstGeom>
+          <a:solidFill>
+            <a:srgbClr val="FFFFFF">
+              <a:shade val="85000"/>
+            </a:srgbClr>
+          </a:solidFill>
+          <a:ln w="88900" cap="sq">
+            <a:solidFill>
+              <a:srgbClr val="FFFFFF"/>
+            </a:solidFill>
+            <a:miter lim="800000"/>
+          </a:ln>
+          <a:effectLst>
+            <a:outerShdw blurRad="55000" dist="18000" dir="5400000" algn="tl" rotWithShape="0">
+              <a:srgbClr val="000000">
+                <a:alpha val="40000"/>
+              </a:srgbClr>
+            </a:outerShdw>
+          </a:effectLst>
+          <a:scene3d>
+            <a:camera prst="orthographicFront"/>
+            <a:lightRig rig="twoPt" dir="t">
+              <a:rot lat="0" lon="0" rev="7200000"/>
+            </a:lightRig>
+          </a:scene3d>
+          <a:sp3d>
+            <a:bevelT w="25400" h="19050"/>
+            <a:contourClr>
+              <a:srgbClr val="FFFFFF"/>
+            </a:contourClr>
+          </a:sp3d>
         </p:spPr>
       </p:pic>
+      <p:sp>
+        <p:nvSpPr>
+          <p:cNvPr id="2" name="Title 1">
+            <a:extLst>
+              <a:ext uri="{FF2B5EF4-FFF2-40B4-BE49-F238E27FC236}">
+                <a16:creationId xmlns:a16="http://schemas.microsoft.com/office/drawing/2014/main" id="{FCDE545B-2594-4113-86F1-50BAA18FB043}"/>
+              </a:ext>
+            </a:extLst>
+          </p:cNvPr>
+          <p:cNvSpPr>
+            <a:spLocks noGrp="1"/>
+          </p:cNvSpPr>
+          <p:nvPr>
+            <p:ph type="title"/>
+          </p:nvPr>
+        </p:nvSpPr>
+        <p:spPr/>
+        <p:txBody>
+          <a:bodyPr>
+            <a:normAutofit/>
+          </a:bodyPr>
+          <a:lstStyle/>
+          <a:p>
+            <a:r>
+              <a:rPr lang="es-ES"/>
+              <a:t>Comunicación entre el prototipo y otros elementos</a:t>
+            </a:r>
+            <a:br>
+              <a:rPr lang="es-MX"/>
+            </a:br>
+            <a:endParaRPr lang="es-MX"/>
+          </a:p>
+        </p:txBody>
+      </p:sp>
       <p:pic>
         <p:nvPicPr>
           <p:cNvPr id="4" name="Picture 3" descr="A picture containing building, wheel, bridge&#10;&#10;Description automatically generated">
@@ -5979,7 +6012,7 @@
       </p:grpSpPr>
       <p:sp>
         <p:nvSpPr>
-          <p:cNvPr id="11" name="Rectangle 10">
+          <p:cNvPr id="24" name="Rectangle 23">
             <a:extLst>
               <a:ext uri="{FF2B5EF4-FFF2-40B4-BE49-F238E27FC236}">
                 <a16:creationId xmlns:a16="http://schemas.microsoft.com/office/drawing/2014/main" id="{64C9EE1D-12BB-43F7-9A2A-893578DCA63A}"/>
@@ -6034,7 +6067,7 @@
       </p:sp>
       <p:sp>
         <p:nvSpPr>
-          <p:cNvPr id="18" name="Rectangle 12">
+          <p:cNvPr id="26" name="Rectangle 25">
             <a:extLst>
               <a:ext uri="{FF2B5EF4-FFF2-40B4-BE49-F238E27FC236}">
                 <a16:creationId xmlns:a16="http://schemas.microsoft.com/office/drawing/2014/main" id="{43962A31-C54E-4762-B155-59777FED1C75}"/>
@@ -6091,7 +6124,7 @@
       </p:sp>
       <p:sp useBgFill="1">
         <p:nvSpPr>
-          <p:cNvPr id="19" name="Rectangle 14">
+          <p:cNvPr id="28" name="Rectangle 27">
             <a:extLst>
               <a:ext uri="{FF2B5EF4-FFF2-40B4-BE49-F238E27FC236}">
                 <a16:creationId xmlns:a16="http://schemas.microsoft.com/office/drawing/2014/main" id="{4B392D36-B685-45E0-B197-6EE5D748093B}"/>
@@ -6151,7 +6184,7 @@
       </p:sp>
       <p:sp>
         <p:nvSpPr>
-          <p:cNvPr id="17" name="Rectangle 16">
+          <p:cNvPr id="30" name="Rectangle 29">
             <a:extLst>
               <a:ext uri="{FF2B5EF4-FFF2-40B4-BE49-F238E27FC236}">
                 <a16:creationId xmlns:a16="http://schemas.microsoft.com/office/drawing/2014/main" id="{9DCA8533-CC5E-4754-9A04-047EDE49E0F9}"/>
@@ -6241,10 +6274,10 @@
       </p:sp>
       <p:pic>
         <p:nvPicPr>
-          <p:cNvPr id="5" name="Content Placeholder 4">
+          <p:cNvPr id="12" name="Content Placeholder 11">
             <a:extLst>
               <a:ext uri="{FF2B5EF4-FFF2-40B4-BE49-F238E27FC236}">
-                <a16:creationId xmlns:a16="http://schemas.microsoft.com/office/drawing/2014/main" id="{876F9F09-30EB-4F31-AA89-7C5680E8AA92}"/>
+                <a16:creationId xmlns:a16="http://schemas.microsoft.com/office/drawing/2014/main" id="{B4D8D9EC-0945-4279-AA22-CA66E2373157}"/>
               </a:ext>
             </a:extLst>
           </p:cNvPr>
@@ -6255,26 +6288,24 @@
             <p:ph idx="1"/>
           </p:nvPr>
         </p:nvPicPr>
-        <p:blipFill>
-          <a:blip r:embed="rId2" cstate="print">
-            <a:extLst>
-              <a:ext uri="{28A0092B-C50C-407E-A947-70E740481C1C}">
-                <a14:useLocalDpi xmlns:a14="http://schemas.microsoft.com/office/drawing/2010/main" val="0"/>
-              </a:ext>
-            </a:extLst>
-          </a:blip>
-          <a:stretch>
-            <a:fillRect/>
-          </a:stretch>
+        <p:blipFill rotWithShape="1">
+          <a:blip r:embed="rId2"/>
+          <a:srcRect t="8120" b="5188"/>
+          <a:stretch/>
         </p:blipFill>
-        <p:spPr>
-          <a:xfrm>
-            <a:off x="1063691" y="1059524"/>
-            <a:ext cx="4789994" cy="2406970"/>
+        <p:spPr bwMode="auto">
+          <a:xfrm>
+            <a:off x="1063691" y="1095107"/>
+            <a:ext cx="4789994" cy="2335804"/>
           </a:xfrm>
           <a:prstGeom prst="rect">
             <a:avLst/>
           </a:prstGeom>
+          <a:extLst>
+            <a:ext uri="{53640926-AAD7-44D8-BBD7-CCE9431645EC}">
+              <a14:shadowObscured xmlns:a14="http://schemas.microsoft.com/office/drawing/2010/main"/>
+            </a:ext>
+          </a:extLst>
         </p:spPr>
       </p:pic>
       <p:pic>
